--- a/report2/第三次專題meeting.pptx
+++ b/report2/第三次專題meeting.pptx
@@ -36,7 +36,7 @@
       <p:boldItalic r:id="rId19"/>
     </p:embeddedFont>
     <p:embeddedFont>
-      <p:font typeface="Raleway" panose="020B0604020202020204" pitchFamily="2" charset="0"/>
+      <p:font typeface="Raleway" pitchFamily="2" charset="0"/>
       <p:regular r:id="rId20"/>
       <p:bold r:id="rId21"/>
       <p:italic r:id="rId22"/>
@@ -8733,11 +8733,11 @@
       </p:sp>
       <p:pic>
         <p:nvPicPr>
-          <p:cNvPr id="2" name="線上媒體 1" title="第二次報告 程式測試">
+          <p:cNvPr id="3" name="線上媒體 2" title="第二次報告DEMO">
             <a:hlinkClick r:id="" action="ppaction://media"/>
             <a:extLst>
               <a:ext uri="{FF2B5EF4-FFF2-40B4-BE49-F238E27FC236}">
-                <a16:creationId xmlns:a16="http://schemas.microsoft.com/office/drawing/2014/main" id="{3397DC1F-9FBC-4606-8B9B-DA56BD2BE9B1}"/>
+                <a16:creationId xmlns:a16="http://schemas.microsoft.com/office/drawing/2014/main" id="{FCB9B888-326E-4E3F-9C4C-2BB010FD2D3C}"/>
               </a:ext>
             </a:extLst>
           </p:cNvPr>
@@ -8756,8 +8756,8 @@
         </p:blipFill>
         <p:spPr>
           <a:xfrm>
-            <a:off x="2012816" y="720036"/>
-            <a:ext cx="5579297" cy="4184473"/>
+            <a:off x="2032000" y="737981"/>
+            <a:ext cx="5642112" cy="4231584"/>
           </a:xfrm>
           <a:prstGeom prst="rect">
             <a:avLst/>
@@ -8799,7 +8799,7 @@
                                       <p:cBhvr>
                                         <p:cTn id="6" dur="1" fill="hold"/>
                                         <p:tgtEl>
-                                          <p:spTgt spid="2"/>
+                                          <p:spTgt spid="3"/>
                                         </p:tgtEl>
                                       </p:cBhvr>
                                     </p:cmd>
@@ -8837,7 +8837,7 @@
                   </p:stCondLst>
                 </p:cTn>
                 <p:tgtEl>
-                  <p:spTgt spid="2"/>
+                  <p:spTgt spid="3"/>
                 </p:tgtEl>
               </p:cMediaNode>
             </p:video>
@@ -8846,7 +8846,7 @@
                 <p:stCondLst>
                   <p:cond evt="onClick" delay="0">
                     <p:tgtEl>
-                      <p:spTgt spid="2"/>
+                      <p:spTgt spid="3"/>
                     </p:tgtEl>
                   </p:cond>
                 </p:stCondLst>
@@ -8876,7 +8876,7 @@
                                       <p:cBhvr>
                                         <p:cTn id="12" dur="1" fill="hold"/>
                                         <p:tgtEl>
-                                          <p:spTgt spid="2"/>
+                                          <p:spTgt spid="3"/>
                                         </p:tgtEl>
                                       </p:cBhvr>
                                     </p:cmd>
@@ -8894,7 +8894,7 @@
               <p:nextCondLst>
                 <p:cond evt="onClick" delay="0">
                   <p:tgtEl>
-                    <p:spTgt spid="2"/>
+                    <p:spTgt spid="3"/>
                   </p:tgtEl>
                 </p:cond>
               </p:nextCondLst>
